--- a/Documents/数据科学成果展示.pptx
+++ b/Documents/数据科学成果展示.pptx
@@ -225,7 +225,7 @@
           <a:p>
             <a:fld id="{1367D56A-C7F4-4C76-A882-5BDCEC74F80B}" type="datetimeFigureOut">
               <a:rPr lang="zh-CN" altLang="en-US" smtClean="0"/>
-              <a:t>2020-07-27</a:t>
+              <a:t>2020/7/28</a:t>
             </a:fld>
             <a:endParaRPr lang="zh-CN" altLang="en-US"/>
           </a:p>
@@ -621,7 +621,7 @@
           <a:p>
             <a:fld id="{0DA88C9A-7811-4AA2-844E-962283B8D2E4}" type="datetimeFigureOut">
               <a:rPr lang="zh-CN" altLang="en-US" smtClean="0"/>
-              <a:t>2020-07-27</a:t>
+              <a:t>2020/7/28</a:t>
             </a:fld>
             <a:endParaRPr lang="zh-CN" altLang="en-US"/>
           </a:p>
@@ -784,7 +784,7 @@
           <a:p>
             <a:fld id="{0DA88C9A-7811-4AA2-844E-962283B8D2E4}" type="datetimeFigureOut">
               <a:rPr lang="zh-CN" altLang="en-US" smtClean="0"/>
-              <a:t>2020-07-27</a:t>
+              <a:t>2020/7/28</a:t>
             </a:fld>
             <a:endParaRPr lang="zh-CN" altLang="en-US"/>
           </a:p>
@@ -957,7 +957,7 @@
           <a:p>
             <a:fld id="{0DA88C9A-7811-4AA2-844E-962283B8D2E4}" type="datetimeFigureOut">
               <a:rPr lang="zh-CN" altLang="en-US" smtClean="0"/>
-              <a:t>2020-07-27</a:t>
+              <a:t>2020/7/28</a:t>
             </a:fld>
             <a:endParaRPr lang="zh-CN" altLang="en-US"/>
           </a:p>
@@ -1120,7 +1120,7 @@
           <a:p>
             <a:fld id="{0DA88C9A-7811-4AA2-844E-962283B8D2E4}" type="datetimeFigureOut">
               <a:rPr lang="zh-CN" altLang="en-US" smtClean="0"/>
-              <a:t>2020-07-27</a:t>
+              <a:t>2020/7/28</a:t>
             </a:fld>
             <a:endParaRPr lang="zh-CN" altLang="en-US"/>
           </a:p>
@@ -1360,7 +1360,7 @@
           <a:p>
             <a:fld id="{0DA88C9A-7811-4AA2-844E-962283B8D2E4}" type="datetimeFigureOut">
               <a:rPr lang="zh-CN" altLang="en-US" smtClean="0"/>
-              <a:t>2020-07-27</a:t>
+              <a:t>2020/7/28</a:t>
             </a:fld>
             <a:endParaRPr lang="zh-CN" altLang="en-US"/>
           </a:p>
@@ -1584,7 +1584,7 @@
           <a:p>
             <a:fld id="{0DA88C9A-7811-4AA2-844E-962283B8D2E4}" type="datetimeFigureOut">
               <a:rPr lang="zh-CN" altLang="en-US" smtClean="0"/>
-              <a:t>2020-07-27</a:t>
+              <a:t>2020/7/28</a:t>
             </a:fld>
             <a:endParaRPr lang="zh-CN" altLang="en-US"/>
           </a:p>
@@ -1943,7 +1943,7 @@
           <a:p>
             <a:fld id="{0DA88C9A-7811-4AA2-844E-962283B8D2E4}" type="datetimeFigureOut">
               <a:rPr lang="zh-CN" altLang="en-US" smtClean="0"/>
-              <a:t>2020-07-27</a:t>
+              <a:t>2020/7/28</a:t>
             </a:fld>
             <a:endParaRPr lang="zh-CN" altLang="en-US"/>
           </a:p>
@@ -2615,7 +2615,7 @@
           <a:p>
             <a:fld id="{0DA88C9A-7811-4AA2-844E-962283B8D2E4}" type="datetimeFigureOut">
               <a:rPr lang="zh-CN" altLang="en-US" smtClean="0"/>
-              <a:t>2020-07-27</a:t>
+              <a:t>2020/7/28</a:t>
             </a:fld>
             <a:endParaRPr lang="zh-CN" altLang="en-US"/>
           </a:p>
@@ -2705,7 +2705,7 @@
           <a:p>
             <a:fld id="{0DA88C9A-7811-4AA2-844E-962283B8D2E4}" type="datetimeFigureOut">
               <a:rPr lang="zh-CN" altLang="en-US" smtClean="0"/>
-              <a:t>2020-07-27</a:t>
+              <a:t>2020/7/28</a:t>
             </a:fld>
             <a:endParaRPr lang="zh-CN" altLang="en-US"/>
           </a:p>
@@ -2975,7 +2975,7 @@
           <a:p>
             <a:fld id="{0DA88C9A-7811-4AA2-844E-962283B8D2E4}" type="datetimeFigureOut">
               <a:rPr lang="zh-CN" altLang="en-US" smtClean="0"/>
-              <a:t>2020-07-27</a:t>
+              <a:t>2020/7/28</a:t>
             </a:fld>
             <a:endParaRPr lang="zh-CN" altLang="en-US"/>
           </a:p>
@@ -3222,7 +3222,7 @@
           <a:p>
             <a:fld id="{0DA88C9A-7811-4AA2-844E-962283B8D2E4}" type="datetimeFigureOut">
               <a:rPr lang="zh-CN" altLang="en-US" smtClean="0"/>
-              <a:t>2020-07-27</a:t>
+              <a:t>2020/7/28</a:t>
             </a:fld>
             <a:endParaRPr lang="zh-CN" altLang="en-US"/>
           </a:p>
@@ -3428,7 +3428,7 @@
           <a:p>
             <a:fld id="{0DA88C9A-7811-4AA2-844E-962283B8D2E4}" type="datetimeFigureOut">
               <a:rPr lang="zh-CN" altLang="en-US" smtClean="0"/>
-              <a:t>2020-07-27</a:t>
+              <a:t>2020/7/28</a:t>
             </a:fld>
             <a:endParaRPr lang="zh-CN" altLang="en-US"/>
           </a:p>
@@ -24697,7 +24697,7 @@
                 <a:cs typeface="+mn-ea"/>
                 <a:sym typeface="+mn-lt"/>
               </a:rPr>
-              <a:t>program_rate</a:t>
+              <a:t>debug_rate</a:t>
             </a:r>
             <a:r>
               <a:rPr lang="zh-CN" altLang="en-US" sz="1400" dirty="0">
@@ -24880,10 +24880,10 @@
       </p:sp>
       <p:pic>
         <p:nvPicPr>
-          <p:cNvPr id="5" name="图片 4">
+          <p:cNvPr id="6" name="图片 5">
             <a:extLst>
               <a:ext uri="{FF2B5EF4-FFF2-40B4-BE49-F238E27FC236}">
-                <a16:creationId xmlns:a16="http://schemas.microsoft.com/office/drawing/2014/main" id="{7D910219-F149-4C5A-B4C7-C0AB0C9B8322}"/>
+                <a16:creationId xmlns:a16="http://schemas.microsoft.com/office/drawing/2014/main" id="{186DB492-95BF-4BA4-8C91-C00CEB6C535E}"/>
               </a:ext>
             </a:extLst>
           </p:cNvPr>
@@ -24900,8 +24900,8 @@
         </p:blipFill>
         <p:spPr>
           <a:xfrm>
-            <a:off x="5478425" y="4047725"/>
-            <a:ext cx="6280473" cy="2018020"/>
+            <a:off x="5343382" y="108829"/>
+            <a:ext cx="5745768" cy="3501215"/>
           </a:xfrm>
           <a:prstGeom prst="rect">
             <a:avLst/>
@@ -24910,10 +24910,10 @@
       </p:pic>
       <p:pic>
         <p:nvPicPr>
-          <p:cNvPr id="6" name="图片 5">
+          <p:cNvPr id="3" name="图片 2">
             <a:extLst>
               <a:ext uri="{FF2B5EF4-FFF2-40B4-BE49-F238E27FC236}">
-                <a16:creationId xmlns:a16="http://schemas.microsoft.com/office/drawing/2014/main" id="{186DB492-95BF-4BA4-8C91-C00CEB6C535E}"/>
+                <a16:creationId xmlns:a16="http://schemas.microsoft.com/office/drawing/2014/main" id="{590AE97B-45E7-45B9-BA92-8EBDCDC1ED25}"/>
               </a:ext>
             </a:extLst>
           </p:cNvPr>
@@ -24930,8 +24930,8 @@
         </p:blipFill>
         <p:spPr>
           <a:xfrm>
-            <a:off x="5745778" y="308853"/>
-            <a:ext cx="5745768" cy="3501215"/>
+            <a:off x="5343382" y="3717718"/>
+            <a:ext cx="5295913" cy="3031453"/>
           </a:xfrm>
           <a:prstGeom prst="rect">
             <a:avLst/>
